--- a/powerpoint/1_ASSEMBLY_WORKSHOP.pptx
+++ b/powerpoint/1_ASSEMBLY_WORKSHOP.pptx
@@ -278,7 +278,7 @@
           <a:p>
             <a:fld id="{DEABCE53-1D99-4BEE-AE28-D2367C4FBEC7}" type="datetimeFigureOut">
               <a:rPr lang="en-GB" smtClean="0"/>
-              <a:t>05/10/2020</a:t>
+              <a:t>08/10/2020</a:t>
             </a:fld>
             <a:endParaRPr lang="en-GB"/>
           </a:p>
@@ -478,7 +478,7 @@
           <a:p>
             <a:fld id="{DEABCE53-1D99-4BEE-AE28-D2367C4FBEC7}" type="datetimeFigureOut">
               <a:rPr lang="en-GB" smtClean="0"/>
-              <a:t>05/10/2020</a:t>
+              <a:t>08/10/2020</a:t>
             </a:fld>
             <a:endParaRPr lang="en-GB"/>
           </a:p>
@@ -688,7 +688,7 @@
           <a:p>
             <a:fld id="{DEABCE53-1D99-4BEE-AE28-D2367C4FBEC7}" type="datetimeFigureOut">
               <a:rPr lang="en-GB" smtClean="0"/>
-              <a:t>05/10/2020</a:t>
+              <a:t>08/10/2020</a:t>
             </a:fld>
             <a:endParaRPr lang="en-GB"/>
           </a:p>
@@ -888,7 +888,7 @@
           <a:p>
             <a:fld id="{DEABCE53-1D99-4BEE-AE28-D2367C4FBEC7}" type="datetimeFigureOut">
               <a:rPr lang="en-GB" smtClean="0"/>
-              <a:t>05/10/2020</a:t>
+              <a:t>08/10/2020</a:t>
             </a:fld>
             <a:endParaRPr lang="en-GB"/>
           </a:p>
@@ -1164,7 +1164,7 @@
           <a:p>
             <a:fld id="{DEABCE53-1D99-4BEE-AE28-D2367C4FBEC7}" type="datetimeFigureOut">
               <a:rPr lang="en-GB" smtClean="0"/>
-              <a:t>05/10/2020</a:t>
+              <a:t>08/10/2020</a:t>
             </a:fld>
             <a:endParaRPr lang="en-GB"/>
           </a:p>
@@ -1432,7 +1432,7 @@
           <a:p>
             <a:fld id="{DEABCE53-1D99-4BEE-AE28-D2367C4FBEC7}" type="datetimeFigureOut">
               <a:rPr lang="en-GB" smtClean="0"/>
-              <a:t>05/10/2020</a:t>
+              <a:t>08/10/2020</a:t>
             </a:fld>
             <a:endParaRPr lang="en-GB"/>
           </a:p>
@@ -1847,7 +1847,7 @@
           <a:p>
             <a:fld id="{DEABCE53-1D99-4BEE-AE28-D2367C4FBEC7}" type="datetimeFigureOut">
               <a:rPr lang="en-GB" smtClean="0"/>
-              <a:t>05/10/2020</a:t>
+              <a:t>08/10/2020</a:t>
             </a:fld>
             <a:endParaRPr lang="en-GB"/>
           </a:p>
@@ -1989,7 +1989,7 @@
           <a:p>
             <a:fld id="{DEABCE53-1D99-4BEE-AE28-D2367C4FBEC7}" type="datetimeFigureOut">
               <a:rPr lang="en-GB" smtClean="0"/>
-              <a:t>05/10/2020</a:t>
+              <a:t>08/10/2020</a:t>
             </a:fld>
             <a:endParaRPr lang="en-GB"/>
           </a:p>
@@ -2102,7 +2102,7 @@
           <a:p>
             <a:fld id="{DEABCE53-1D99-4BEE-AE28-D2367C4FBEC7}" type="datetimeFigureOut">
               <a:rPr lang="en-GB" smtClean="0"/>
-              <a:t>05/10/2020</a:t>
+              <a:t>08/10/2020</a:t>
             </a:fld>
             <a:endParaRPr lang="en-GB"/>
           </a:p>
@@ -2415,7 +2415,7 @@
           <a:p>
             <a:fld id="{DEABCE53-1D99-4BEE-AE28-D2367C4FBEC7}" type="datetimeFigureOut">
               <a:rPr lang="en-GB" smtClean="0"/>
-              <a:t>05/10/2020</a:t>
+              <a:t>08/10/2020</a:t>
             </a:fld>
             <a:endParaRPr lang="en-GB"/>
           </a:p>
@@ -2704,7 +2704,7 @@
           <a:p>
             <a:fld id="{DEABCE53-1D99-4BEE-AE28-D2367C4FBEC7}" type="datetimeFigureOut">
               <a:rPr lang="en-GB" smtClean="0"/>
-              <a:t>05/10/2020</a:t>
+              <a:t>08/10/2020</a:t>
             </a:fld>
             <a:endParaRPr lang="en-GB"/>
           </a:p>
@@ -2947,7 +2947,7 @@
           <a:p>
             <a:fld id="{DEABCE53-1D99-4BEE-AE28-D2367C4FBEC7}" type="datetimeFigureOut">
               <a:rPr lang="en-GB" smtClean="0"/>
-              <a:t>05/10/2020</a:t>
+              <a:t>08/10/2020</a:t>
             </a:fld>
             <a:endParaRPr lang="en-GB"/>
           </a:p>
@@ -5926,7 +5926,23 @@
           <a:p>
             <a:r>
               <a:rPr lang="en-GB" dirty="0"/>
-              <a:t>If you google search “lab” based jobs versus “Bioinformatics” ….</a:t>
+              <a:t>If you google search “</a:t>
+            </a:r>
+            <a:r>
+              <a:rPr lang="en-GB" b="1" dirty="0"/>
+              <a:t>lab</a:t>
+            </a:r>
+            <a:r>
+              <a:rPr lang="en-GB" dirty="0"/>
+              <a:t>” based jobs versus “</a:t>
+            </a:r>
+            <a:r>
+              <a:rPr lang="en-GB" b="1" dirty="0"/>
+              <a:t>Bioinformatics</a:t>
+            </a:r>
+            <a:r>
+              <a:rPr lang="en-GB" dirty="0"/>
+              <a:t>” ….</a:t>
             </a:r>
           </a:p>
           <a:p>
@@ -6697,7 +6713,12 @@
             <p:ph idx="1"/>
           </p:nvPr>
         </p:nvSpPr>
-        <p:spPr/>
+        <p:spPr>
+          <a:xfrm>
+            <a:off x="777555" y="1802208"/>
+            <a:ext cx="10515600" cy="4351338"/>
+          </a:xfrm>
+        </p:spPr>
         <p:txBody>
           <a:bodyPr/>
           <a:lstStyle/>
@@ -6745,6 +6766,839 @@
                 </a:solidFill>
               </a:rPr>
               <a:t>6_assembly.pptx</a:t>
+            </a:r>
+          </a:p>
+        </p:txBody>
+      </p:sp>
+      <p:sp>
+        <p:nvSpPr>
+          <p:cNvPr id="4" name="Rectangle 3">
+            <a:extLst>
+              <a:ext uri="{FF2B5EF4-FFF2-40B4-BE49-F238E27FC236}">
+                <a16:creationId xmlns:a16="http://schemas.microsoft.com/office/drawing/2014/main" id="{EFCFD82A-420B-4108-AFAA-E5891FA5699F}"/>
+              </a:ext>
+            </a:extLst>
+          </p:cNvPr>
+          <p:cNvSpPr/>
+          <p:nvPr/>
+        </p:nvSpPr>
+        <p:spPr>
+          <a:xfrm>
+            <a:off x="111967" y="5495730"/>
+            <a:ext cx="989045" cy="601467"/>
+          </a:xfrm>
+          <a:prstGeom prst="rect">
+            <a:avLst/>
+          </a:prstGeom>
+          <a:noFill/>
+        </p:spPr>
+        <p:style>
+          <a:lnRef idx="2">
+            <a:schemeClr val="accent1">
+              <a:shade val="50000"/>
+            </a:schemeClr>
+          </a:lnRef>
+          <a:fillRef idx="1">
+            <a:schemeClr val="accent1"/>
+          </a:fillRef>
+          <a:effectRef idx="0">
+            <a:schemeClr val="accent1"/>
+          </a:effectRef>
+          <a:fontRef idx="minor">
+            <a:schemeClr val="lt1"/>
+          </a:fontRef>
+        </p:style>
+        <p:txBody>
+          <a:bodyPr rtlCol="0" anchor="ctr"/>
+          <a:lstStyle/>
+          <a:p>
+            <a:pPr algn="ctr"/>
+            <a:endParaRPr lang="en-GB" dirty="0"/>
+          </a:p>
+        </p:txBody>
+      </p:sp>
+      <p:cxnSp>
+        <p:nvCxnSpPr>
+          <p:cNvPr id="6" name="Straight Arrow Connector 5">
+            <a:extLst>
+              <a:ext uri="{FF2B5EF4-FFF2-40B4-BE49-F238E27FC236}">
+                <a16:creationId xmlns:a16="http://schemas.microsoft.com/office/drawing/2014/main" id="{CB3CA471-AF90-48C9-81AF-84D86973D8F1}"/>
+              </a:ext>
+            </a:extLst>
+          </p:cNvPr>
+          <p:cNvCxnSpPr>
+            <a:stCxn id="4" idx="3"/>
+          </p:cNvCxnSpPr>
+          <p:nvPr/>
+        </p:nvCxnSpPr>
+        <p:spPr>
+          <a:xfrm flipV="1">
+            <a:off x="1101012" y="5794310"/>
+            <a:ext cx="718458" cy="2154"/>
+          </a:xfrm>
+          <a:prstGeom prst="straightConnector1">
+            <a:avLst/>
+          </a:prstGeom>
+          <a:ln>
+            <a:tailEnd type="triangle"/>
+          </a:ln>
+        </p:spPr>
+        <p:style>
+          <a:lnRef idx="1">
+            <a:schemeClr val="accent1"/>
+          </a:lnRef>
+          <a:fillRef idx="0">
+            <a:schemeClr val="accent1"/>
+          </a:fillRef>
+          <a:effectRef idx="0">
+            <a:schemeClr val="accent1"/>
+          </a:effectRef>
+          <a:fontRef idx="minor">
+            <a:schemeClr val="tx1"/>
+          </a:fontRef>
+        </p:style>
+      </p:cxnSp>
+      <p:sp>
+        <p:nvSpPr>
+          <p:cNvPr id="7" name="TextBox 6">
+            <a:extLst>
+              <a:ext uri="{FF2B5EF4-FFF2-40B4-BE49-F238E27FC236}">
+                <a16:creationId xmlns:a16="http://schemas.microsoft.com/office/drawing/2014/main" id="{F3704C09-48F2-4003-9BFB-B7AA5E530959}"/>
+              </a:ext>
+            </a:extLst>
+          </p:cNvPr>
+          <p:cNvSpPr txBox="1"/>
+          <p:nvPr/>
+        </p:nvSpPr>
+        <p:spPr>
+          <a:xfrm>
+            <a:off x="130629" y="5507215"/>
+            <a:ext cx="925284" cy="646331"/>
+          </a:xfrm>
+          <a:prstGeom prst="rect">
+            <a:avLst/>
+          </a:prstGeom>
+          <a:noFill/>
+        </p:spPr>
+        <p:txBody>
+          <a:bodyPr wrap="square" rtlCol="0">
+            <a:spAutoFit/>
+          </a:bodyPr>
+          <a:lstStyle/>
+          <a:p>
+            <a:r>
+              <a:rPr lang="en-GB" dirty="0"/>
+              <a:t>Quality control</a:t>
+            </a:r>
+          </a:p>
+        </p:txBody>
+      </p:sp>
+      <p:sp>
+        <p:nvSpPr>
+          <p:cNvPr id="8" name="Rectangle 7">
+            <a:extLst>
+              <a:ext uri="{FF2B5EF4-FFF2-40B4-BE49-F238E27FC236}">
+                <a16:creationId xmlns:a16="http://schemas.microsoft.com/office/drawing/2014/main" id="{CFEDA4FE-E3C2-44CD-8ECA-E8FA0EF52A39}"/>
+              </a:ext>
+            </a:extLst>
+          </p:cNvPr>
+          <p:cNvSpPr/>
+          <p:nvPr/>
+        </p:nvSpPr>
+        <p:spPr>
+          <a:xfrm>
+            <a:off x="1813250" y="5480176"/>
+            <a:ext cx="989045" cy="601467"/>
+          </a:xfrm>
+          <a:prstGeom prst="rect">
+            <a:avLst/>
+          </a:prstGeom>
+          <a:noFill/>
+        </p:spPr>
+        <p:style>
+          <a:lnRef idx="2">
+            <a:schemeClr val="accent1">
+              <a:shade val="50000"/>
+            </a:schemeClr>
+          </a:lnRef>
+          <a:fillRef idx="1">
+            <a:schemeClr val="accent1"/>
+          </a:fillRef>
+          <a:effectRef idx="0">
+            <a:schemeClr val="accent1"/>
+          </a:effectRef>
+          <a:fontRef idx="minor">
+            <a:schemeClr val="lt1"/>
+          </a:fontRef>
+        </p:style>
+        <p:txBody>
+          <a:bodyPr rtlCol="0" anchor="ctr"/>
+          <a:lstStyle/>
+          <a:p>
+            <a:pPr algn="ctr"/>
+            <a:endParaRPr lang="en-GB" dirty="0"/>
+          </a:p>
+        </p:txBody>
+      </p:sp>
+      <p:cxnSp>
+        <p:nvCxnSpPr>
+          <p:cNvPr id="9" name="Straight Arrow Connector 8">
+            <a:extLst>
+              <a:ext uri="{FF2B5EF4-FFF2-40B4-BE49-F238E27FC236}">
+                <a16:creationId xmlns:a16="http://schemas.microsoft.com/office/drawing/2014/main" id="{A8E2B89E-5312-45B3-9355-608F55CF6E74}"/>
+              </a:ext>
+            </a:extLst>
+          </p:cNvPr>
+          <p:cNvCxnSpPr>
+            <a:stCxn id="8" idx="3"/>
+          </p:cNvCxnSpPr>
+          <p:nvPr/>
+        </p:nvCxnSpPr>
+        <p:spPr>
+          <a:xfrm flipV="1">
+            <a:off x="2802295" y="5778756"/>
+            <a:ext cx="718458" cy="2154"/>
+          </a:xfrm>
+          <a:prstGeom prst="straightConnector1">
+            <a:avLst/>
+          </a:prstGeom>
+          <a:ln>
+            <a:tailEnd type="triangle"/>
+          </a:ln>
+        </p:spPr>
+        <p:style>
+          <a:lnRef idx="1">
+            <a:schemeClr val="accent1"/>
+          </a:lnRef>
+          <a:fillRef idx="0">
+            <a:schemeClr val="accent1"/>
+          </a:fillRef>
+          <a:effectRef idx="0">
+            <a:schemeClr val="accent1"/>
+          </a:effectRef>
+          <a:fontRef idx="minor">
+            <a:schemeClr val="tx1"/>
+          </a:fontRef>
+        </p:style>
+      </p:cxnSp>
+      <p:sp>
+        <p:nvSpPr>
+          <p:cNvPr id="10" name="TextBox 9">
+            <a:extLst>
+              <a:ext uri="{FF2B5EF4-FFF2-40B4-BE49-F238E27FC236}">
+                <a16:creationId xmlns:a16="http://schemas.microsoft.com/office/drawing/2014/main" id="{235AFB14-F7C5-4E36-8516-9C4D586FD69C}"/>
+              </a:ext>
+            </a:extLst>
+          </p:cNvPr>
+          <p:cNvSpPr txBox="1"/>
+          <p:nvPr/>
+        </p:nvSpPr>
+        <p:spPr>
+          <a:xfrm>
+            <a:off x="1831912" y="5491661"/>
+            <a:ext cx="925284" cy="646331"/>
+          </a:xfrm>
+          <a:prstGeom prst="rect">
+            <a:avLst/>
+          </a:prstGeom>
+          <a:noFill/>
+        </p:spPr>
+        <p:txBody>
+          <a:bodyPr wrap="square" rtlCol="0">
+            <a:spAutoFit/>
+          </a:bodyPr>
+          <a:lstStyle/>
+          <a:p>
+            <a:r>
+              <a:rPr lang="en-GB" dirty="0"/>
+              <a:t>Quality trim</a:t>
+            </a:r>
+          </a:p>
+        </p:txBody>
+      </p:sp>
+      <p:sp>
+        <p:nvSpPr>
+          <p:cNvPr id="11" name="Rectangle 10">
+            <a:extLst>
+              <a:ext uri="{FF2B5EF4-FFF2-40B4-BE49-F238E27FC236}">
+                <a16:creationId xmlns:a16="http://schemas.microsoft.com/office/drawing/2014/main" id="{E1DE2062-FF25-46D2-9979-551A72A1C792}"/>
+              </a:ext>
+            </a:extLst>
+          </p:cNvPr>
+          <p:cNvSpPr/>
+          <p:nvPr/>
+        </p:nvSpPr>
+        <p:spPr>
+          <a:xfrm>
+            <a:off x="3558073" y="5470844"/>
+            <a:ext cx="989045" cy="601467"/>
+          </a:xfrm>
+          <a:prstGeom prst="rect">
+            <a:avLst/>
+          </a:prstGeom>
+          <a:noFill/>
+        </p:spPr>
+        <p:style>
+          <a:lnRef idx="2">
+            <a:schemeClr val="accent1">
+              <a:shade val="50000"/>
+            </a:schemeClr>
+          </a:lnRef>
+          <a:fillRef idx="1">
+            <a:schemeClr val="accent1"/>
+          </a:fillRef>
+          <a:effectRef idx="0">
+            <a:schemeClr val="accent1"/>
+          </a:effectRef>
+          <a:fontRef idx="minor">
+            <a:schemeClr val="lt1"/>
+          </a:fontRef>
+        </p:style>
+        <p:txBody>
+          <a:bodyPr rtlCol="0" anchor="ctr"/>
+          <a:lstStyle/>
+          <a:p>
+            <a:pPr algn="ctr"/>
+            <a:endParaRPr lang="en-GB" dirty="0"/>
+          </a:p>
+        </p:txBody>
+      </p:sp>
+      <p:cxnSp>
+        <p:nvCxnSpPr>
+          <p:cNvPr id="12" name="Straight Arrow Connector 11">
+            <a:extLst>
+              <a:ext uri="{FF2B5EF4-FFF2-40B4-BE49-F238E27FC236}">
+                <a16:creationId xmlns:a16="http://schemas.microsoft.com/office/drawing/2014/main" id="{E0FBEBFF-7190-4F50-9DA0-D584A735A84E}"/>
+              </a:ext>
+            </a:extLst>
+          </p:cNvPr>
+          <p:cNvCxnSpPr>
+            <a:stCxn id="11" idx="3"/>
+          </p:cNvCxnSpPr>
+          <p:nvPr/>
+        </p:nvCxnSpPr>
+        <p:spPr>
+          <a:xfrm flipV="1">
+            <a:off x="4547118" y="5769424"/>
+            <a:ext cx="718458" cy="2154"/>
+          </a:xfrm>
+          <a:prstGeom prst="straightConnector1">
+            <a:avLst/>
+          </a:prstGeom>
+          <a:ln>
+            <a:tailEnd type="triangle"/>
+          </a:ln>
+        </p:spPr>
+        <p:style>
+          <a:lnRef idx="1">
+            <a:schemeClr val="accent1"/>
+          </a:lnRef>
+          <a:fillRef idx="0">
+            <a:schemeClr val="accent1"/>
+          </a:fillRef>
+          <a:effectRef idx="0">
+            <a:schemeClr val="accent1"/>
+          </a:effectRef>
+          <a:fontRef idx="minor">
+            <a:schemeClr val="tx1"/>
+          </a:fontRef>
+        </p:style>
+      </p:cxnSp>
+      <p:sp>
+        <p:nvSpPr>
+          <p:cNvPr id="13" name="TextBox 12">
+            <a:extLst>
+              <a:ext uri="{FF2B5EF4-FFF2-40B4-BE49-F238E27FC236}">
+                <a16:creationId xmlns:a16="http://schemas.microsoft.com/office/drawing/2014/main" id="{2F366287-C898-40A0-99B9-E5A3C38DC8C0}"/>
+              </a:ext>
+            </a:extLst>
+          </p:cNvPr>
+          <p:cNvSpPr txBox="1"/>
+          <p:nvPr/>
+        </p:nvSpPr>
+        <p:spPr>
+          <a:xfrm>
+            <a:off x="3576735" y="5482329"/>
+            <a:ext cx="925284" cy="646331"/>
+          </a:xfrm>
+          <a:prstGeom prst="rect">
+            <a:avLst/>
+          </a:prstGeom>
+          <a:noFill/>
+        </p:spPr>
+        <p:txBody>
+          <a:bodyPr wrap="square" rtlCol="0">
+            <a:spAutoFit/>
+          </a:bodyPr>
+          <a:lstStyle/>
+          <a:p>
+            <a:r>
+              <a:rPr lang="en-GB" dirty="0"/>
+              <a:t>Quality control</a:t>
+            </a:r>
+          </a:p>
+        </p:txBody>
+      </p:sp>
+      <p:sp>
+        <p:nvSpPr>
+          <p:cNvPr id="14" name="Rectangle 13">
+            <a:extLst>
+              <a:ext uri="{FF2B5EF4-FFF2-40B4-BE49-F238E27FC236}">
+                <a16:creationId xmlns:a16="http://schemas.microsoft.com/office/drawing/2014/main" id="{D533E581-F65D-4EC7-BD7E-1F5D467BD12F}"/>
+              </a:ext>
+            </a:extLst>
+          </p:cNvPr>
+          <p:cNvSpPr/>
+          <p:nvPr/>
+        </p:nvSpPr>
+        <p:spPr>
+          <a:xfrm>
+            <a:off x="5274908" y="5452183"/>
+            <a:ext cx="1331165" cy="1336195"/>
+          </a:xfrm>
+          <a:prstGeom prst="rect">
+            <a:avLst/>
+          </a:prstGeom>
+          <a:noFill/>
+        </p:spPr>
+        <p:style>
+          <a:lnRef idx="2">
+            <a:schemeClr val="accent1">
+              <a:shade val="50000"/>
+            </a:schemeClr>
+          </a:lnRef>
+          <a:fillRef idx="1">
+            <a:schemeClr val="accent1"/>
+          </a:fillRef>
+          <a:effectRef idx="0">
+            <a:schemeClr val="accent1"/>
+          </a:effectRef>
+          <a:fontRef idx="minor">
+            <a:schemeClr val="lt1"/>
+          </a:fontRef>
+        </p:style>
+        <p:txBody>
+          <a:bodyPr rtlCol="0" anchor="ctr"/>
+          <a:lstStyle/>
+          <a:p>
+            <a:pPr algn="ctr"/>
+            <a:endParaRPr lang="en-GB" dirty="0"/>
+          </a:p>
+        </p:txBody>
+      </p:sp>
+      <p:sp>
+        <p:nvSpPr>
+          <p:cNvPr id="16" name="TextBox 15">
+            <a:extLst>
+              <a:ext uri="{FF2B5EF4-FFF2-40B4-BE49-F238E27FC236}">
+                <a16:creationId xmlns:a16="http://schemas.microsoft.com/office/drawing/2014/main" id="{836B662D-1243-4B45-AE7C-DE441BE3FB2F}"/>
+              </a:ext>
+            </a:extLst>
+          </p:cNvPr>
+          <p:cNvSpPr txBox="1"/>
+          <p:nvPr/>
+        </p:nvSpPr>
+        <p:spPr>
+          <a:xfrm>
+            <a:off x="5274907" y="5491661"/>
+            <a:ext cx="1424473" cy="1107996"/>
+          </a:xfrm>
+          <a:prstGeom prst="rect">
+            <a:avLst/>
+          </a:prstGeom>
+          <a:noFill/>
+        </p:spPr>
+        <p:txBody>
+          <a:bodyPr wrap="square" rtlCol="0">
+            <a:spAutoFit/>
+          </a:bodyPr>
+          <a:lstStyle/>
+          <a:p>
+            <a:r>
+              <a:rPr lang="en-GB" dirty="0"/>
+              <a:t>Assemble </a:t>
+            </a:r>
+            <a:r>
+              <a:rPr lang="en-GB" sz="1600" dirty="0"/>
+              <a:t>(different </a:t>
+            </a:r>
+            <a:r>
+              <a:rPr lang="en-GB" sz="1600" dirty="0" err="1"/>
+              <a:t>kmers</a:t>
+            </a:r>
+            <a:r>
+              <a:rPr lang="en-GB" sz="1600" dirty="0"/>
+              <a:t>, different tools)</a:t>
+            </a:r>
+            <a:endParaRPr lang="en-GB" dirty="0"/>
+          </a:p>
+        </p:txBody>
+      </p:sp>
+      <p:cxnSp>
+        <p:nvCxnSpPr>
+          <p:cNvPr id="19" name="Straight Arrow Connector 18">
+            <a:extLst>
+              <a:ext uri="{FF2B5EF4-FFF2-40B4-BE49-F238E27FC236}">
+                <a16:creationId xmlns:a16="http://schemas.microsoft.com/office/drawing/2014/main" id="{760874AE-3C68-4138-850A-1103BC797D3C}"/>
+              </a:ext>
+            </a:extLst>
+          </p:cNvPr>
+          <p:cNvCxnSpPr/>
+          <p:nvPr/>
+        </p:nvCxnSpPr>
+        <p:spPr>
+          <a:xfrm flipV="1">
+            <a:off x="6627848" y="5769424"/>
+            <a:ext cx="718458" cy="2154"/>
+          </a:xfrm>
+          <a:prstGeom prst="straightConnector1">
+            <a:avLst/>
+          </a:prstGeom>
+          <a:ln>
+            <a:tailEnd type="triangle"/>
+          </a:ln>
+        </p:spPr>
+        <p:style>
+          <a:lnRef idx="1">
+            <a:schemeClr val="accent1"/>
+          </a:lnRef>
+          <a:fillRef idx="0">
+            <a:schemeClr val="accent1"/>
+          </a:fillRef>
+          <a:effectRef idx="0">
+            <a:schemeClr val="accent1"/>
+          </a:effectRef>
+          <a:fontRef idx="minor">
+            <a:schemeClr val="tx1"/>
+          </a:fontRef>
+        </p:style>
+      </p:cxnSp>
+      <p:sp>
+        <p:nvSpPr>
+          <p:cNvPr id="20" name="Rectangle 19">
+            <a:extLst>
+              <a:ext uri="{FF2B5EF4-FFF2-40B4-BE49-F238E27FC236}">
+                <a16:creationId xmlns:a16="http://schemas.microsoft.com/office/drawing/2014/main" id="{BAEF1F74-EBE3-4A02-A4CD-E2FD00F5069D}"/>
+              </a:ext>
+            </a:extLst>
+          </p:cNvPr>
+          <p:cNvSpPr/>
+          <p:nvPr/>
+        </p:nvSpPr>
+        <p:spPr>
+          <a:xfrm>
+            <a:off x="7327644" y="5459659"/>
+            <a:ext cx="989045" cy="601467"/>
+          </a:xfrm>
+          <a:prstGeom prst="rect">
+            <a:avLst/>
+          </a:prstGeom>
+          <a:noFill/>
+        </p:spPr>
+        <p:style>
+          <a:lnRef idx="2">
+            <a:schemeClr val="accent1">
+              <a:shade val="50000"/>
+            </a:schemeClr>
+          </a:lnRef>
+          <a:fillRef idx="1">
+            <a:schemeClr val="accent1"/>
+          </a:fillRef>
+          <a:effectRef idx="0">
+            <a:schemeClr val="accent1"/>
+          </a:effectRef>
+          <a:fontRef idx="minor">
+            <a:schemeClr val="lt1"/>
+          </a:fontRef>
+        </p:style>
+        <p:txBody>
+          <a:bodyPr rtlCol="0" anchor="ctr"/>
+          <a:lstStyle/>
+          <a:p>
+            <a:pPr algn="ctr"/>
+            <a:endParaRPr lang="en-GB" dirty="0"/>
+          </a:p>
+        </p:txBody>
+      </p:sp>
+      <p:cxnSp>
+        <p:nvCxnSpPr>
+          <p:cNvPr id="21" name="Straight Arrow Connector 20">
+            <a:extLst>
+              <a:ext uri="{FF2B5EF4-FFF2-40B4-BE49-F238E27FC236}">
+                <a16:creationId xmlns:a16="http://schemas.microsoft.com/office/drawing/2014/main" id="{6D2FE8F9-B978-4E21-832C-B39574657B9E}"/>
+              </a:ext>
+            </a:extLst>
+          </p:cNvPr>
+          <p:cNvCxnSpPr>
+            <a:stCxn id="20" idx="3"/>
+          </p:cNvCxnSpPr>
+          <p:nvPr/>
+        </p:nvCxnSpPr>
+        <p:spPr>
+          <a:xfrm flipV="1">
+            <a:off x="8316689" y="5758239"/>
+            <a:ext cx="718458" cy="2154"/>
+          </a:xfrm>
+          <a:prstGeom prst="straightConnector1">
+            <a:avLst/>
+          </a:prstGeom>
+          <a:ln>
+            <a:tailEnd type="triangle"/>
+          </a:ln>
+        </p:spPr>
+        <p:style>
+          <a:lnRef idx="1">
+            <a:schemeClr val="accent1"/>
+          </a:lnRef>
+          <a:fillRef idx="0">
+            <a:schemeClr val="accent1"/>
+          </a:fillRef>
+          <a:effectRef idx="0">
+            <a:schemeClr val="accent1"/>
+          </a:effectRef>
+          <a:fontRef idx="minor">
+            <a:schemeClr val="tx1"/>
+          </a:fontRef>
+        </p:style>
+      </p:cxnSp>
+      <p:sp>
+        <p:nvSpPr>
+          <p:cNvPr id="22" name="TextBox 21">
+            <a:extLst>
+              <a:ext uri="{FF2B5EF4-FFF2-40B4-BE49-F238E27FC236}">
+                <a16:creationId xmlns:a16="http://schemas.microsoft.com/office/drawing/2014/main" id="{9D159014-86CE-4926-8564-49ADBE50189E}"/>
+              </a:ext>
+            </a:extLst>
+          </p:cNvPr>
+          <p:cNvSpPr txBox="1"/>
+          <p:nvPr/>
+        </p:nvSpPr>
+        <p:spPr>
+          <a:xfrm>
+            <a:off x="7346306" y="5471144"/>
+            <a:ext cx="925284" cy="646331"/>
+          </a:xfrm>
+          <a:prstGeom prst="rect">
+            <a:avLst/>
+          </a:prstGeom>
+          <a:noFill/>
+        </p:spPr>
+        <p:txBody>
+          <a:bodyPr wrap="square" rtlCol="0">
+            <a:spAutoFit/>
+          </a:bodyPr>
+          <a:lstStyle/>
+          <a:p>
+            <a:r>
+              <a:rPr lang="en-GB" dirty="0"/>
+              <a:t>Predict genes</a:t>
+            </a:r>
+          </a:p>
+        </p:txBody>
+      </p:sp>
+      <p:sp>
+        <p:nvSpPr>
+          <p:cNvPr id="23" name="Rectangle 22">
+            <a:extLst>
+              <a:ext uri="{FF2B5EF4-FFF2-40B4-BE49-F238E27FC236}">
+                <a16:creationId xmlns:a16="http://schemas.microsoft.com/office/drawing/2014/main" id="{F935E03F-D100-4D67-BACD-9FAA065ED21A}"/>
+              </a:ext>
+            </a:extLst>
+          </p:cNvPr>
+          <p:cNvSpPr/>
+          <p:nvPr/>
+        </p:nvSpPr>
+        <p:spPr>
+          <a:xfrm>
+            <a:off x="9035147" y="5452183"/>
+            <a:ext cx="989045" cy="1327579"/>
+          </a:xfrm>
+          <a:prstGeom prst="rect">
+            <a:avLst/>
+          </a:prstGeom>
+          <a:noFill/>
+        </p:spPr>
+        <p:style>
+          <a:lnRef idx="2">
+            <a:schemeClr val="accent1">
+              <a:shade val="50000"/>
+            </a:schemeClr>
+          </a:lnRef>
+          <a:fillRef idx="1">
+            <a:schemeClr val="accent1"/>
+          </a:fillRef>
+          <a:effectRef idx="0">
+            <a:schemeClr val="accent1"/>
+          </a:effectRef>
+          <a:fontRef idx="minor">
+            <a:schemeClr val="lt1"/>
+          </a:fontRef>
+        </p:style>
+        <p:txBody>
+          <a:bodyPr rtlCol="0" anchor="ctr"/>
+          <a:lstStyle/>
+          <a:p>
+            <a:pPr algn="ctr"/>
+            <a:endParaRPr lang="en-GB" dirty="0"/>
+          </a:p>
+        </p:txBody>
+      </p:sp>
+      <p:sp>
+        <p:nvSpPr>
+          <p:cNvPr id="25" name="TextBox 24">
+            <a:extLst>
+              <a:ext uri="{FF2B5EF4-FFF2-40B4-BE49-F238E27FC236}">
+                <a16:creationId xmlns:a16="http://schemas.microsoft.com/office/drawing/2014/main" id="{DEAF93FF-8357-4377-A61A-587AB18A316E}"/>
+              </a:ext>
+            </a:extLst>
+          </p:cNvPr>
+          <p:cNvSpPr txBox="1"/>
+          <p:nvPr/>
+        </p:nvSpPr>
+        <p:spPr>
+          <a:xfrm>
+            <a:off x="9186770" y="5515807"/>
+            <a:ext cx="925284" cy="1200329"/>
+          </a:xfrm>
+          <a:prstGeom prst="rect">
+            <a:avLst/>
+          </a:prstGeom>
+          <a:noFill/>
+        </p:spPr>
+        <p:txBody>
+          <a:bodyPr wrap="square" rtlCol="0">
+            <a:spAutoFit/>
+          </a:bodyPr>
+          <a:lstStyle/>
+          <a:p>
+            <a:r>
+              <a:rPr lang="en-GB" sz="1200" dirty="0"/>
+              <a:t>Draw a genome diagram with the genes marked</a:t>
+            </a:r>
+          </a:p>
+        </p:txBody>
+      </p:sp>
+      <p:cxnSp>
+        <p:nvCxnSpPr>
+          <p:cNvPr id="28" name="Connector: Elbow 27">
+            <a:extLst>
+              <a:ext uri="{FF2B5EF4-FFF2-40B4-BE49-F238E27FC236}">
+                <a16:creationId xmlns:a16="http://schemas.microsoft.com/office/drawing/2014/main" id="{CF27F376-EB6B-4322-9966-6E7F58D0E4E5}"/>
+              </a:ext>
+            </a:extLst>
+          </p:cNvPr>
+          <p:cNvCxnSpPr>
+            <a:cxnSpLocks/>
+          </p:cNvCxnSpPr>
+          <p:nvPr/>
+        </p:nvCxnSpPr>
+        <p:spPr>
+          <a:xfrm flipV="1">
+            <a:off x="5987143" y="4516016"/>
+            <a:ext cx="2802294" cy="879820"/>
+          </a:xfrm>
+          <a:prstGeom prst="bentConnector3">
+            <a:avLst>
+              <a:gd name="adj1" fmla="val -943"/>
+            </a:avLst>
+          </a:prstGeom>
+          <a:ln>
+            <a:tailEnd type="triangle"/>
+          </a:ln>
+        </p:spPr>
+        <p:style>
+          <a:lnRef idx="1">
+            <a:schemeClr val="accent1"/>
+          </a:lnRef>
+          <a:fillRef idx="0">
+            <a:schemeClr val="accent1"/>
+          </a:fillRef>
+          <a:effectRef idx="0">
+            <a:schemeClr val="accent1"/>
+          </a:effectRef>
+          <a:fontRef idx="minor">
+            <a:schemeClr val="tx1"/>
+          </a:fontRef>
+        </p:style>
+      </p:cxnSp>
+      <p:sp>
+        <p:nvSpPr>
+          <p:cNvPr id="35" name="Rectangle 34">
+            <a:extLst>
+              <a:ext uri="{FF2B5EF4-FFF2-40B4-BE49-F238E27FC236}">
+                <a16:creationId xmlns:a16="http://schemas.microsoft.com/office/drawing/2014/main" id="{51893B02-C1FB-4C69-9FC3-00C89459FE59}"/>
+              </a:ext>
+            </a:extLst>
+          </p:cNvPr>
+          <p:cNvSpPr/>
+          <p:nvPr/>
+        </p:nvSpPr>
+        <p:spPr>
+          <a:xfrm>
+            <a:off x="8789435" y="4231775"/>
+            <a:ext cx="989045" cy="601467"/>
+          </a:xfrm>
+          <a:prstGeom prst="rect">
+            <a:avLst/>
+          </a:prstGeom>
+          <a:noFill/>
+        </p:spPr>
+        <p:style>
+          <a:lnRef idx="2">
+            <a:schemeClr val="accent1">
+              <a:shade val="50000"/>
+            </a:schemeClr>
+          </a:lnRef>
+          <a:fillRef idx="1">
+            <a:schemeClr val="accent1"/>
+          </a:fillRef>
+          <a:effectRef idx="0">
+            <a:schemeClr val="accent1"/>
+          </a:effectRef>
+          <a:fontRef idx="minor">
+            <a:schemeClr val="lt1"/>
+          </a:fontRef>
+        </p:style>
+        <p:txBody>
+          <a:bodyPr rtlCol="0" anchor="ctr"/>
+          <a:lstStyle/>
+          <a:p>
+            <a:pPr algn="ctr"/>
+            <a:endParaRPr lang="en-GB" dirty="0"/>
+          </a:p>
+        </p:txBody>
+      </p:sp>
+      <p:sp>
+        <p:nvSpPr>
+          <p:cNvPr id="36" name="TextBox 35">
+            <a:extLst>
+              <a:ext uri="{FF2B5EF4-FFF2-40B4-BE49-F238E27FC236}">
+                <a16:creationId xmlns:a16="http://schemas.microsoft.com/office/drawing/2014/main" id="{3D2961F1-DA74-4F53-8210-6A3B61D1EF6B}"/>
+              </a:ext>
+            </a:extLst>
+          </p:cNvPr>
+          <p:cNvSpPr txBox="1"/>
+          <p:nvPr/>
+        </p:nvSpPr>
+        <p:spPr>
+          <a:xfrm>
+            <a:off x="8808097" y="4243260"/>
+            <a:ext cx="925284" cy="646331"/>
+          </a:xfrm>
+          <a:prstGeom prst="rect">
+            <a:avLst/>
+          </a:prstGeom>
+          <a:noFill/>
+        </p:spPr>
+        <p:txBody>
+          <a:bodyPr wrap="square" rtlCol="0">
+            <a:spAutoFit/>
+          </a:bodyPr>
+          <a:lstStyle/>
+          <a:p>
+            <a:r>
+              <a:rPr lang="en-GB" dirty="0"/>
+              <a:t>BLAST: identify</a:t>
             </a:r>
           </a:p>
         </p:txBody>

--- a/powerpoint/1_ASSEMBLY_WORKSHOP.pptx
+++ b/powerpoint/1_ASSEMBLY_WORKSHOP.pptx
@@ -278,7 +278,7 @@
           <a:p>
             <a:fld id="{DEABCE53-1D99-4BEE-AE28-D2367C4FBEC7}" type="datetimeFigureOut">
               <a:rPr lang="en-GB" smtClean="0"/>
-              <a:t>08/10/2020</a:t>
+              <a:t>21/09/2022</a:t>
             </a:fld>
             <a:endParaRPr lang="en-GB"/>
           </a:p>
@@ -478,7 +478,7 @@
           <a:p>
             <a:fld id="{DEABCE53-1D99-4BEE-AE28-D2367C4FBEC7}" type="datetimeFigureOut">
               <a:rPr lang="en-GB" smtClean="0"/>
-              <a:t>08/10/2020</a:t>
+              <a:t>21/09/2022</a:t>
             </a:fld>
             <a:endParaRPr lang="en-GB"/>
           </a:p>
@@ -688,7 +688,7 @@
           <a:p>
             <a:fld id="{DEABCE53-1D99-4BEE-AE28-D2367C4FBEC7}" type="datetimeFigureOut">
               <a:rPr lang="en-GB" smtClean="0"/>
-              <a:t>08/10/2020</a:t>
+              <a:t>21/09/2022</a:t>
             </a:fld>
             <a:endParaRPr lang="en-GB"/>
           </a:p>
@@ -888,7 +888,7 @@
           <a:p>
             <a:fld id="{DEABCE53-1D99-4BEE-AE28-D2367C4FBEC7}" type="datetimeFigureOut">
               <a:rPr lang="en-GB" smtClean="0"/>
-              <a:t>08/10/2020</a:t>
+              <a:t>21/09/2022</a:t>
             </a:fld>
             <a:endParaRPr lang="en-GB"/>
           </a:p>
@@ -1164,7 +1164,7 @@
           <a:p>
             <a:fld id="{DEABCE53-1D99-4BEE-AE28-D2367C4FBEC7}" type="datetimeFigureOut">
               <a:rPr lang="en-GB" smtClean="0"/>
-              <a:t>08/10/2020</a:t>
+              <a:t>21/09/2022</a:t>
             </a:fld>
             <a:endParaRPr lang="en-GB"/>
           </a:p>
@@ -1432,7 +1432,7 @@
           <a:p>
             <a:fld id="{DEABCE53-1D99-4BEE-AE28-D2367C4FBEC7}" type="datetimeFigureOut">
               <a:rPr lang="en-GB" smtClean="0"/>
-              <a:t>08/10/2020</a:t>
+              <a:t>21/09/2022</a:t>
             </a:fld>
             <a:endParaRPr lang="en-GB"/>
           </a:p>
@@ -1847,7 +1847,7 @@
           <a:p>
             <a:fld id="{DEABCE53-1D99-4BEE-AE28-D2367C4FBEC7}" type="datetimeFigureOut">
               <a:rPr lang="en-GB" smtClean="0"/>
-              <a:t>08/10/2020</a:t>
+              <a:t>21/09/2022</a:t>
             </a:fld>
             <a:endParaRPr lang="en-GB"/>
           </a:p>
@@ -1989,7 +1989,7 @@
           <a:p>
             <a:fld id="{DEABCE53-1D99-4BEE-AE28-D2367C4FBEC7}" type="datetimeFigureOut">
               <a:rPr lang="en-GB" smtClean="0"/>
-              <a:t>08/10/2020</a:t>
+              <a:t>21/09/2022</a:t>
             </a:fld>
             <a:endParaRPr lang="en-GB"/>
           </a:p>
@@ -2102,7 +2102,7 @@
           <a:p>
             <a:fld id="{DEABCE53-1D99-4BEE-AE28-D2367C4FBEC7}" type="datetimeFigureOut">
               <a:rPr lang="en-GB" smtClean="0"/>
-              <a:t>08/10/2020</a:t>
+              <a:t>21/09/2022</a:t>
             </a:fld>
             <a:endParaRPr lang="en-GB"/>
           </a:p>
@@ -2415,7 +2415,7 @@
           <a:p>
             <a:fld id="{DEABCE53-1D99-4BEE-AE28-D2367C4FBEC7}" type="datetimeFigureOut">
               <a:rPr lang="en-GB" smtClean="0"/>
-              <a:t>08/10/2020</a:t>
+              <a:t>21/09/2022</a:t>
             </a:fld>
             <a:endParaRPr lang="en-GB"/>
           </a:p>
@@ -2704,7 +2704,7 @@
           <a:p>
             <a:fld id="{DEABCE53-1D99-4BEE-AE28-D2367C4FBEC7}" type="datetimeFigureOut">
               <a:rPr lang="en-GB" smtClean="0"/>
-              <a:t>08/10/2020</a:t>
+              <a:t>21/09/2022</a:t>
             </a:fld>
             <a:endParaRPr lang="en-GB"/>
           </a:p>
@@ -2947,7 +2947,7 @@
           <a:p>
             <a:fld id="{DEABCE53-1D99-4BEE-AE28-D2367C4FBEC7}" type="datetimeFigureOut">
               <a:rPr lang="en-GB" smtClean="0"/>
-              <a:t>08/10/2020</a:t>
+              <a:t>21/09/2022</a:t>
             </a:fld>
             <a:endParaRPr lang="en-GB"/>
           </a:p>
@@ -4689,12 +4689,84 @@
               <a:buNone/>
             </a:pPr>
             <a:r>
-              <a:rPr lang="en-GB" sz="2000" dirty="0">
+              <a:rPr lang="en-GB" sz="1100" dirty="0">
                 <a:solidFill>
                   <a:srgbClr val="FF0000"/>
                 </a:solidFill>
               </a:rPr>
-              <a:t>export PATH=/shelf/apps/ncbi-blast-2.7.1+/bin/:$PATH</a:t>
+              <a:t> </a:t>
+            </a:r>
+            <a:r>
+              <a:rPr lang="en-GB" sz="1400" dirty="0">
+                <a:solidFill>
+                  <a:srgbClr val="FF0000"/>
+                </a:solidFill>
+              </a:rPr>
+              <a:t>export PATH=/gpfs1/scratch/</a:t>
+            </a:r>
+            <a:r>
+              <a:rPr lang="en-GB" sz="1400" dirty="0" err="1">
+                <a:solidFill>
+                  <a:srgbClr val="FF0000"/>
+                </a:solidFill>
+              </a:rPr>
+              <a:t>bioinf</a:t>
+            </a:r>
+            <a:r>
+              <a:rPr lang="en-GB" sz="1400" dirty="0">
+                <a:solidFill>
+                  <a:srgbClr val="FF0000"/>
+                </a:solidFill>
+              </a:rPr>
+              <a:t>/BL4273/</a:t>
+            </a:r>
+            <a:r>
+              <a:rPr lang="en-GB" sz="1400" dirty="0" err="1">
+                <a:solidFill>
+                  <a:srgbClr val="FF0000"/>
+                </a:solidFill>
+              </a:rPr>
+              <a:t>conda</a:t>
+            </a:r>
+            <a:r>
+              <a:rPr lang="en-GB" sz="1400" dirty="0">
+                <a:solidFill>
+                  <a:srgbClr val="FF0000"/>
+                </a:solidFill>
+              </a:rPr>
+              <a:t>/</a:t>
+            </a:r>
+            <a:r>
+              <a:rPr lang="en-GB" sz="1400" dirty="0" err="1">
+                <a:solidFill>
+                  <a:srgbClr val="FF0000"/>
+                </a:solidFill>
+              </a:rPr>
+              <a:t>envs</a:t>
+            </a:r>
+            <a:r>
+              <a:rPr lang="en-GB" sz="1400" dirty="0">
+                <a:solidFill>
+                  <a:srgbClr val="FF0000"/>
+                </a:solidFill>
+              </a:rPr>
+              <a:t>/</a:t>
+            </a:r>
+            <a:r>
+              <a:rPr lang="en-GB" sz="1400" dirty="0" err="1">
+                <a:solidFill>
+                  <a:srgbClr val="FF0000"/>
+                </a:solidFill>
+              </a:rPr>
+              <a:t>genome_workshop</a:t>
+            </a:r>
+            <a:r>
+              <a:rPr lang="en-GB" sz="1400" dirty="0">
+                <a:solidFill>
+                  <a:srgbClr val="FF0000"/>
+                </a:solidFill>
+              </a:rPr>
+              <a:t>/bin/:$PATH</a:t>
             </a:r>
           </a:p>
           <a:p>
@@ -4702,17 +4774,14 @@
               <a:buNone/>
             </a:pPr>
             <a:r>
-              <a:rPr lang="en-GB" sz="2000" dirty="0"/>
-              <a:t># this is where the </a:t>
-            </a:r>
-            <a:r>
-              <a:rPr lang="en-GB" sz="2000" dirty="0" err="1"/>
-              <a:t>nr</a:t>
-            </a:r>
-            <a:r>
-              <a:rPr lang="en-GB" sz="2000" dirty="0"/>
-              <a:t>, </a:t>
-            </a:r>
+              <a:rPr lang="en-GB" sz="1100" dirty="0"/>
+              <a:t># this is where the nr, </a:t>
+            </a:r>
+          </a:p>
+          <a:p>
+            <a:pPr marL="0" indent="0">
+              <a:buNone/>
+            </a:pPr>
             <a:r>
               <a:rPr lang="en-GB" sz="2000" dirty="0" err="1"/>
               <a:t>nt</a:t>
@@ -4740,7 +4809,7 @@
                   <a:srgbClr val="FF0000"/>
                 </a:solidFill>
               </a:rPr>
-              <a:t>export BLASTDB=/shelf/public/</a:t>
+              <a:t>export BLASTDB/gpfs1/scratch/</a:t>
             </a:r>
             <a:r>
               <a:rPr lang="en-GB" sz="2000" dirty="0" err="1">
@@ -4748,7 +4817,7 @@
                   <a:srgbClr val="FF0000"/>
                 </a:solidFill>
               </a:rPr>
-              <a:t>blastntnr</a:t>
+              <a:t>bioinf</a:t>
             </a:r>
             <a:r>
               <a:rPr lang="en-GB" sz="2000" dirty="0">
@@ -4764,13 +4833,16 @@
                   <a:srgbClr val="FF0000"/>
                 </a:solidFill>
               </a:rPr>
-              <a:t>blastDatabases</a:t>
-            </a:r>
-            <a:endParaRPr lang="en-GB" sz="2000" dirty="0">
-              <a:solidFill>
-                <a:srgbClr val="FF0000"/>
-              </a:solidFill>
-            </a:endParaRPr>
+              <a:t>db</a:t>
+            </a:r>
+            <a:r>
+              <a:rPr lang="en-GB" sz="2000" dirty="0">
+                <a:solidFill>
+                  <a:srgbClr val="FF0000"/>
+                </a:solidFill>
+              </a:rPr>
+              <a:t>/databases/</a:t>
+            </a:r>
           </a:p>
           <a:p>
             <a:pPr marL="0" indent="0">
@@ -4816,7 +4888,7 @@
         </p:blipFill>
         <p:spPr>
           <a:xfrm>
-            <a:off x="6322774" y="1430031"/>
+            <a:off x="7074211" y="1430031"/>
             <a:ext cx="8294926" cy="5186669"/>
           </a:xfrm>
           <a:prstGeom prst="rect">
@@ -6248,7 +6320,15 @@
           <a:p>
             <a:r>
               <a:rPr lang="en-GB" dirty="0"/>
-              <a:t>Open this power point (you wont be able to yet!). Learn how to connect to Marvin (</a:t>
+              <a:t>Open this power point (you wont be able to yet!). Learn how to connect to Marvin or </a:t>
+            </a:r>
+            <a:r>
+              <a:rPr lang="en-GB" dirty="0" err="1"/>
+              <a:t>kennedy</a:t>
+            </a:r>
+            <a:r>
+              <a:rPr lang="en-GB" dirty="0"/>
+              <a:t> (</a:t>
             </a:r>
             <a:r>
               <a:rPr lang="en-GB" dirty="0">
